--- a/Transformers/blog_resources/graphics/word_embeddings.pptx
+++ b/Transformers/blog_resources/graphics/word_embeddings.pptx
@@ -254,7 +254,7 @@
           <a:p>
             <a:fld id="{FB92FDD8-7731-4E46-9433-FCBAA3DC8EDF}" type="datetimeFigureOut">
               <a:rPr lang="en-GB" smtClean="0"/>
-              <a:t>18/08/2021</a:t>
+              <a:t>22/08/2021</a:t>
             </a:fld>
             <a:endParaRPr lang="en-GB"/>
           </a:p>
@@ -424,7 +424,7 @@
           <a:p>
             <a:fld id="{FB92FDD8-7731-4E46-9433-FCBAA3DC8EDF}" type="datetimeFigureOut">
               <a:rPr lang="en-GB" smtClean="0"/>
-              <a:t>18/08/2021</a:t>
+              <a:t>22/08/2021</a:t>
             </a:fld>
             <a:endParaRPr lang="en-GB"/>
           </a:p>
@@ -604,7 +604,7 @@
           <a:p>
             <a:fld id="{FB92FDD8-7731-4E46-9433-FCBAA3DC8EDF}" type="datetimeFigureOut">
               <a:rPr lang="en-GB" smtClean="0"/>
-              <a:t>18/08/2021</a:t>
+              <a:t>22/08/2021</a:t>
             </a:fld>
             <a:endParaRPr lang="en-GB"/>
           </a:p>
@@ -774,7 +774,7 @@
           <a:p>
             <a:fld id="{FB92FDD8-7731-4E46-9433-FCBAA3DC8EDF}" type="datetimeFigureOut">
               <a:rPr lang="en-GB" smtClean="0"/>
-              <a:t>18/08/2021</a:t>
+              <a:t>22/08/2021</a:t>
             </a:fld>
             <a:endParaRPr lang="en-GB"/>
           </a:p>
@@ -1020,7 +1020,7 @@
           <a:p>
             <a:fld id="{FB92FDD8-7731-4E46-9433-FCBAA3DC8EDF}" type="datetimeFigureOut">
               <a:rPr lang="en-GB" smtClean="0"/>
-              <a:t>18/08/2021</a:t>
+              <a:t>22/08/2021</a:t>
             </a:fld>
             <a:endParaRPr lang="en-GB"/>
           </a:p>
@@ -1252,7 +1252,7 @@
           <a:p>
             <a:fld id="{FB92FDD8-7731-4E46-9433-FCBAA3DC8EDF}" type="datetimeFigureOut">
               <a:rPr lang="en-GB" smtClean="0"/>
-              <a:t>18/08/2021</a:t>
+              <a:t>22/08/2021</a:t>
             </a:fld>
             <a:endParaRPr lang="en-GB"/>
           </a:p>
@@ -1619,7 +1619,7 @@
           <a:p>
             <a:fld id="{FB92FDD8-7731-4E46-9433-FCBAA3DC8EDF}" type="datetimeFigureOut">
               <a:rPr lang="en-GB" smtClean="0"/>
-              <a:t>18/08/2021</a:t>
+              <a:t>22/08/2021</a:t>
             </a:fld>
             <a:endParaRPr lang="en-GB"/>
           </a:p>
@@ -1737,7 +1737,7 @@
           <a:p>
             <a:fld id="{FB92FDD8-7731-4E46-9433-FCBAA3DC8EDF}" type="datetimeFigureOut">
               <a:rPr lang="en-GB" smtClean="0"/>
-              <a:t>18/08/2021</a:t>
+              <a:t>22/08/2021</a:t>
             </a:fld>
             <a:endParaRPr lang="en-GB"/>
           </a:p>
@@ -1832,7 +1832,7 @@
           <a:p>
             <a:fld id="{FB92FDD8-7731-4E46-9433-FCBAA3DC8EDF}" type="datetimeFigureOut">
               <a:rPr lang="en-GB" smtClean="0"/>
-              <a:t>18/08/2021</a:t>
+              <a:t>22/08/2021</a:t>
             </a:fld>
             <a:endParaRPr lang="en-GB"/>
           </a:p>
@@ -2109,7 +2109,7 @@
           <a:p>
             <a:fld id="{FB92FDD8-7731-4E46-9433-FCBAA3DC8EDF}" type="datetimeFigureOut">
               <a:rPr lang="en-GB" smtClean="0"/>
-              <a:t>18/08/2021</a:t>
+              <a:t>22/08/2021</a:t>
             </a:fld>
             <a:endParaRPr lang="en-GB"/>
           </a:p>
@@ -2366,7 +2366,7 @@
           <a:p>
             <a:fld id="{FB92FDD8-7731-4E46-9433-FCBAA3DC8EDF}" type="datetimeFigureOut">
               <a:rPr lang="en-GB" smtClean="0"/>
-              <a:t>18/08/2021</a:t>
+              <a:t>22/08/2021</a:t>
             </a:fld>
             <a:endParaRPr lang="en-GB"/>
           </a:p>
@@ -2579,7 +2579,7 @@
           <a:p>
             <a:fld id="{FB92FDD8-7731-4E46-9433-FCBAA3DC8EDF}" type="datetimeFigureOut">
               <a:rPr lang="en-GB" smtClean="0"/>
-              <a:t>18/08/2021</a:t>
+              <a:t>22/08/2021</a:t>
             </a:fld>
             <a:endParaRPr lang="en-GB"/>
           </a:p>
@@ -9249,6 +9249,47 @@
           </a:p>
         </p:txBody>
       </p:sp>
+      <p:sp>
+        <p:nvSpPr>
+          <p:cNvPr id="157" name="TextBox 156">
+            <a:extLst>
+              <a:ext uri="{FF2B5EF4-FFF2-40B4-BE49-F238E27FC236}">
+                <a16:creationId xmlns:a16="http://schemas.microsoft.com/office/drawing/2014/main" id="{F514BB82-FE66-4099-B2B5-02BDC0CB76C0}"/>
+              </a:ext>
+            </a:extLst>
+          </p:cNvPr>
+          <p:cNvSpPr txBox="1"/>
+          <p:nvPr/>
+        </p:nvSpPr>
+        <p:spPr>
+          <a:xfrm>
+            <a:off x="4452286" y="1040230"/>
+            <a:ext cx="3749155" cy="369332"/>
+          </a:xfrm>
+          <a:prstGeom prst="rect">
+            <a:avLst/>
+          </a:prstGeom>
+          <a:noFill/>
+          <a:ln>
+            <a:solidFill>
+              <a:schemeClr val="tx1"/>
+            </a:solidFill>
+          </a:ln>
+        </p:spPr>
+        <p:txBody>
+          <a:bodyPr wrap="square" rtlCol="0">
+            <a:spAutoFit/>
+          </a:bodyPr>
+          <a:lstStyle/>
+          <a:p>
+            <a:r>
+              <a:rPr lang="en-US" dirty="0"/>
+              <a:t>Lookup operation for each input word</a:t>
+            </a:r>
+            <a:endParaRPr lang="en-GB" dirty="0"/>
+          </a:p>
+        </p:txBody>
+      </p:sp>
     </p:spTree>
     <p:extLst>
       <p:ext uri="{BB962C8B-B14F-4D97-AF65-F5344CB8AC3E}">
@@ -9723,14 +9764,58 @@
                             </p:stCondLst>
                             <p:childTnLst>
                               <p:par>
-                                <p:cTn id="45" presetID="26" presetClass="emph" presetSubtype="0" repeatCount="2000" fill="hold" grpId="1" nodeType="afterEffect">
+                                <p:cTn id="45" presetID="10" presetClass="entr" presetSubtype="0" fill="hold" grpId="0" nodeType="afterEffect">
+                                  <p:stCondLst>
+                                    <p:cond delay="0"/>
+                                  </p:stCondLst>
+                                  <p:childTnLst>
+                                    <p:set>
+                                      <p:cBhvr>
+                                        <p:cTn id="46" dur="1" fill="hold">
+                                          <p:stCondLst>
+                                            <p:cond delay="0"/>
+                                          </p:stCondLst>
+                                        </p:cTn>
+                                        <p:tgtEl>
+                                          <p:spTgt spid="157"/>
+                                        </p:tgtEl>
+                                        <p:attrNameLst>
+                                          <p:attrName>style.visibility</p:attrName>
+                                        </p:attrNameLst>
+                                      </p:cBhvr>
+                                      <p:to>
+                                        <p:strVal val="visible"/>
+                                      </p:to>
+                                    </p:set>
+                                    <p:animEffect transition="in" filter="fade">
+                                      <p:cBhvr>
+                                        <p:cTn id="47" dur="500"/>
+                                        <p:tgtEl>
+                                          <p:spTgt spid="157"/>
+                                        </p:tgtEl>
+                                      </p:cBhvr>
+                                    </p:animEffect>
+                                  </p:childTnLst>
+                                </p:cTn>
+                              </p:par>
+                            </p:childTnLst>
+                          </p:cTn>
+                        </p:par>
+                        <p:par>
+                          <p:cTn id="48" fill="hold">
+                            <p:stCondLst>
+                              <p:cond delay="5500"/>
+                            </p:stCondLst>
+                            <p:childTnLst>
+                              <p:par>
+                                <p:cTn id="49" presetID="26" presetClass="emph" presetSubtype="0" repeatCount="2000" fill="hold" grpId="1" nodeType="afterEffect">
                                   <p:stCondLst>
                                     <p:cond delay="0"/>
                                   </p:stCondLst>
                                   <p:childTnLst>
                                     <p:animEffect transition="out" filter="fade">
                                       <p:cBhvr>
-                                        <p:cTn id="46" dur="500" tmFilter="0, 0; .2, .5; .8, .5; 1, 0"/>
+                                        <p:cTn id="50" dur="500" tmFilter="0, 0; .2, .5; .8, .5; 1, 0"/>
                                         <p:tgtEl>
                                           <p:spTgt spid="5"/>
                                         </p:tgtEl>
@@ -9738,7 +9823,7 @@
                                     </p:animEffect>
                                     <p:animScale>
                                       <p:cBhvr>
-                                        <p:cTn id="47" dur="250" autoRev="1" fill="hold"/>
+                                        <p:cTn id="51" dur="250" autoRev="1" fill="hold"/>
                                         <p:tgtEl>
                                           <p:spTgt spid="5"/>
                                         </p:tgtEl>
@@ -9752,20 +9837,20 @@
                           </p:cTn>
                         </p:par>
                         <p:par>
-                          <p:cTn id="48" fill="hold">
+                          <p:cTn id="52" fill="hold">
                             <p:stCondLst>
-                              <p:cond delay="6000"/>
+                              <p:cond delay="6500"/>
                             </p:stCondLst>
                             <p:childTnLst>
                               <p:par>
-                                <p:cTn id="49" presetID="14" presetClass="entr" presetSubtype="10" fill="hold" nodeType="afterEffect">
+                                <p:cTn id="53" presetID="14" presetClass="entr" presetSubtype="10" fill="hold" nodeType="afterEffect">
                                   <p:stCondLst>
                                     <p:cond delay="0"/>
                                   </p:stCondLst>
                                   <p:childTnLst>
                                     <p:set>
                                       <p:cBhvr>
-                                        <p:cTn id="50" dur="1" fill="hold">
+                                        <p:cTn id="54" dur="1" fill="hold">
                                           <p:stCondLst>
                                             <p:cond delay="0"/>
                                           </p:stCondLst>
@@ -9783,7 +9868,7 @@
                                     </p:set>
                                     <p:animEffect transition="in" filter="randombar(horizontal)">
                                       <p:cBhvr>
-                                        <p:cTn id="51" dur="500"/>
+                                        <p:cTn id="55" dur="500"/>
                                         <p:tgtEl>
                                           <p:spTgt spid="80"/>
                                         </p:tgtEl>
@@ -9796,20 +9881,20 @@
                           </p:cTn>
                         </p:par>
                         <p:par>
-                          <p:cTn id="52" fill="hold">
+                          <p:cTn id="56" fill="hold">
                             <p:stCondLst>
-                              <p:cond delay="6500"/>
+                              <p:cond delay="7000"/>
                             </p:stCondLst>
                             <p:childTnLst>
                               <p:par>
-                                <p:cTn id="53" presetID="26" presetClass="emph" presetSubtype="0" fill="hold" nodeType="afterEffect">
+                                <p:cTn id="57" presetID="26" presetClass="emph" presetSubtype="0" fill="hold" nodeType="afterEffect">
                                   <p:stCondLst>
                                     <p:cond delay="0"/>
                                   </p:stCondLst>
                                   <p:childTnLst>
                                     <p:animEffect transition="out" filter="fade">
                                       <p:cBhvr>
-                                        <p:cTn id="54" dur="500" tmFilter="0, 0; .2, .5; .8, .5; 1, 0"/>
+                                        <p:cTn id="58" dur="500" tmFilter="0, 0; .2, .5; .8, .5; 1, 0"/>
                                         <p:tgtEl>
                                           <p:spTgt spid="22"/>
                                         </p:tgtEl>
@@ -9817,7 +9902,7 @@
                                     </p:animEffect>
                                     <p:animScale>
                                       <p:cBhvr>
-                                        <p:cTn id="55" dur="250" autoRev="1" fill="hold"/>
+                                        <p:cTn id="59" dur="250" autoRev="1" fill="hold"/>
                                         <p:tgtEl>
                                           <p:spTgt spid="22"/>
                                         </p:tgtEl>
@@ -9831,20 +9916,20 @@
                           </p:cTn>
                         </p:par>
                         <p:par>
-                          <p:cTn id="56" fill="hold">
+                          <p:cTn id="60" fill="hold">
                             <p:stCondLst>
-                              <p:cond delay="7000"/>
+                              <p:cond delay="7500"/>
                             </p:stCondLst>
                             <p:childTnLst>
                               <p:par>
-                                <p:cTn id="57" presetID="10" presetClass="entr" presetSubtype="0" fill="hold" nodeType="afterEffect">
+                                <p:cTn id="61" presetID="10" presetClass="entr" presetSubtype="0" fill="hold" nodeType="afterEffect">
                                   <p:stCondLst>
                                     <p:cond delay="0"/>
                                   </p:stCondLst>
                                   <p:childTnLst>
                                     <p:set>
                                       <p:cBhvr>
-                                        <p:cTn id="58" dur="1" fill="hold">
+                                        <p:cTn id="62" dur="1" fill="hold">
                                           <p:stCondLst>
                                             <p:cond delay="0"/>
                                           </p:stCondLst>
@@ -9862,7 +9947,7 @@
                                     </p:set>
                                     <p:animEffect transition="in" filter="fade">
                                       <p:cBhvr>
-                                        <p:cTn id="59" dur="500"/>
+                                        <p:cTn id="63" dur="500"/>
                                         <p:tgtEl>
                                           <p:spTgt spid="107"/>
                                         </p:tgtEl>
@@ -9875,20 +9960,20 @@
                           </p:cTn>
                         </p:par>
                         <p:par>
-                          <p:cTn id="60" fill="hold">
+                          <p:cTn id="64" fill="hold">
                             <p:stCondLst>
-                              <p:cond delay="7500"/>
+                              <p:cond delay="8000"/>
                             </p:stCondLst>
                             <p:childTnLst>
                               <p:par>
-                                <p:cTn id="61" presetID="26" presetClass="emph" presetSubtype="0" repeatCount="2000" fill="hold" grpId="1" nodeType="afterEffect">
+                                <p:cTn id="65" presetID="26" presetClass="emph" presetSubtype="0" repeatCount="2000" fill="hold" grpId="1" nodeType="afterEffect">
                                   <p:stCondLst>
                                     <p:cond delay="0"/>
                                   </p:stCondLst>
                                   <p:childTnLst>
                                     <p:animEffect transition="out" filter="fade">
                                       <p:cBhvr>
-                                        <p:cTn id="62" dur="500" tmFilter="0, 0; .2, .5; .8, .5; 1, 0"/>
+                                        <p:cTn id="66" dur="500" tmFilter="0, 0; .2, .5; .8, .5; 1, 0"/>
                                         <p:tgtEl>
                                           <p:spTgt spid="6"/>
                                         </p:tgtEl>
@@ -9896,7 +9981,7 @@
                                     </p:animEffect>
                                     <p:animScale>
                                       <p:cBhvr>
-                                        <p:cTn id="63" dur="250" autoRev="1" fill="hold"/>
+                                        <p:cTn id="67" dur="250" autoRev="1" fill="hold"/>
                                         <p:tgtEl>
                                           <p:spTgt spid="6"/>
                                         </p:tgtEl>
@@ -9910,20 +9995,20 @@
                           </p:cTn>
                         </p:par>
                         <p:par>
-                          <p:cTn id="64" fill="hold">
+                          <p:cTn id="68" fill="hold">
                             <p:stCondLst>
-                              <p:cond delay="8500"/>
+                              <p:cond delay="9000"/>
                             </p:stCondLst>
                             <p:childTnLst>
                               <p:par>
-                                <p:cTn id="65" presetID="14" presetClass="entr" presetSubtype="10" fill="hold" nodeType="afterEffect">
+                                <p:cTn id="69" presetID="14" presetClass="entr" presetSubtype="10" fill="hold" nodeType="afterEffect">
                                   <p:stCondLst>
                                     <p:cond delay="0"/>
                                   </p:stCondLst>
                                   <p:childTnLst>
                                     <p:set>
                                       <p:cBhvr>
-                                        <p:cTn id="66" dur="1" fill="hold">
+                                        <p:cTn id="70" dur="1" fill="hold">
                                           <p:stCondLst>
                                             <p:cond delay="0"/>
                                           </p:stCondLst>
@@ -9941,7 +10026,7 @@
                                     </p:set>
                                     <p:animEffect transition="in" filter="randombar(horizontal)">
                                       <p:cBhvr>
-                                        <p:cTn id="67" dur="500"/>
+                                        <p:cTn id="71" dur="500"/>
                                         <p:tgtEl>
                                           <p:spTgt spid="88"/>
                                         </p:tgtEl>
@@ -9954,20 +10039,20 @@
                           </p:cTn>
                         </p:par>
                         <p:par>
-                          <p:cTn id="68" fill="hold">
+                          <p:cTn id="72" fill="hold">
                             <p:stCondLst>
-                              <p:cond delay="9000"/>
+                              <p:cond delay="9500"/>
                             </p:stCondLst>
                             <p:childTnLst>
                               <p:par>
-                                <p:cTn id="69" presetID="26" presetClass="emph" presetSubtype="0" fill="hold" nodeType="afterEffect">
+                                <p:cTn id="73" presetID="26" presetClass="emph" presetSubtype="0" fill="hold" nodeType="afterEffect">
                                   <p:stCondLst>
                                     <p:cond delay="0"/>
                                   </p:stCondLst>
                                   <p:childTnLst>
                                     <p:animEffect transition="out" filter="fade">
                                       <p:cBhvr>
-                                        <p:cTn id="70" dur="500" tmFilter="0, 0; .2, .5; .8, .5; 1, 0"/>
+                                        <p:cTn id="74" dur="500" tmFilter="0, 0; .2, .5; .8, .5; 1, 0"/>
                                         <p:tgtEl>
                                           <p:spTgt spid="42"/>
                                         </p:tgtEl>
@@ -9975,7 +10060,7 @@
                                     </p:animEffect>
                                     <p:animScale>
                                       <p:cBhvr>
-                                        <p:cTn id="71" dur="250" autoRev="1" fill="hold"/>
+                                        <p:cTn id="75" dur="250" autoRev="1" fill="hold"/>
                                         <p:tgtEl>
                                           <p:spTgt spid="42"/>
                                         </p:tgtEl>
@@ -9989,20 +10074,20 @@
                           </p:cTn>
                         </p:par>
                         <p:par>
-                          <p:cTn id="72" fill="hold">
+                          <p:cTn id="76" fill="hold">
                             <p:stCondLst>
-                              <p:cond delay="9500"/>
+                              <p:cond delay="10000"/>
                             </p:stCondLst>
                             <p:childTnLst>
                               <p:par>
-                                <p:cTn id="73" presetID="10" presetClass="entr" presetSubtype="0" fill="hold" nodeType="afterEffect">
+                                <p:cTn id="77" presetID="10" presetClass="entr" presetSubtype="0" fill="hold" nodeType="afterEffect">
                                   <p:stCondLst>
                                     <p:cond delay="0"/>
                                   </p:stCondLst>
                                   <p:childTnLst>
                                     <p:set>
                                       <p:cBhvr>
-                                        <p:cTn id="74" dur="1" fill="hold">
+                                        <p:cTn id="78" dur="1" fill="hold">
                                           <p:stCondLst>
                                             <p:cond delay="0"/>
                                           </p:stCondLst>
@@ -10020,7 +10105,7 @@
                                     </p:set>
                                     <p:animEffect transition="in" filter="fade">
                                       <p:cBhvr>
-                                        <p:cTn id="75" dur="500"/>
+                                        <p:cTn id="79" dur="500"/>
                                         <p:tgtEl>
                                           <p:spTgt spid="108"/>
                                         </p:tgtEl>
@@ -10033,20 +10118,20 @@
                           </p:cTn>
                         </p:par>
                         <p:par>
-                          <p:cTn id="76" fill="hold">
+                          <p:cTn id="80" fill="hold">
                             <p:stCondLst>
-                              <p:cond delay="10000"/>
+                              <p:cond delay="10500"/>
                             </p:stCondLst>
                             <p:childTnLst>
                               <p:par>
-                                <p:cTn id="77" presetID="26" presetClass="emph" presetSubtype="0" repeatCount="2000" fill="hold" grpId="1" nodeType="afterEffect">
+                                <p:cTn id="81" presetID="26" presetClass="emph" presetSubtype="0" repeatCount="2000" fill="hold" grpId="1" nodeType="afterEffect">
                                   <p:stCondLst>
                                     <p:cond delay="0"/>
                                   </p:stCondLst>
                                   <p:childTnLst>
                                     <p:animEffect transition="out" filter="fade">
                                       <p:cBhvr>
-                                        <p:cTn id="78" dur="500" tmFilter="0, 0; .2, .5; .8, .5; 1, 0"/>
+                                        <p:cTn id="82" dur="500" tmFilter="0, 0; .2, .5; .8, .5; 1, 0"/>
                                         <p:tgtEl>
                                           <p:spTgt spid="7"/>
                                         </p:tgtEl>
@@ -10054,7 +10139,7 @@
                                     </p:animEffect>
                                     <p:animScale>
                                       <p:cBhvr>
-                                        <p:cTn id="79" dur="250" autoRev="1" fill="hold"/>
+                                        <p:cTn id="83" dur="250" autoRev="1" fill="hold"/>
                                         <p:tgtEl>
                                           <p:spTgt spid="7"/>
                                         </p:tgtEl>
@@ -10068,20 +10153,20 @@
                           </p:cTn>
                         </p:par>
                         <p:par>
-                          <p:cTn id="80" fill="hold">
+                          <p:cTn id="84" fill="hold">
                             <p:stCondLst>
-                              <p:cond delay="11000"/>
+                              <p:cond delay="11500"/>
                             </p:stCondLst>
                             <p:childTnLst>
                               <p:par>
-                                <p:cTn id="81" presetID="14" presetClass="entr" presetSubtype="10" fill="hold" nodeType="afterEffect">
+                                <p:cTn id="85" presetID="14" presetClass="entr" presetSubtype="10" fill="hold" nodeType="afterEffect">
                                   <p:stCondLst>
                                     <p:cond delay="0"/>
                                   </p:stCondLst>
                                   <p:childTnLst>
                                     <p:set>
                                       <p:cBhvr>
-                                        <p:cTn id="82" dur="1" fill="hold">
+                                        <p:cTn id="86" dur="1" fill="hold">
                                           <p:stCondLst>
                                             <p:cond delay="0"/>
                                           </p:stCondLst>
@@ -10099,7 +10184,7 @@
                                     </p:set>
                                     <p:animEffect transition="in" filter="randombar(horizontal)">
                                       <p:cBhvr>
-                                        <p:cTn id="83" dur="500"/>
+                                        <p:cTn id="87" dur="500"/>
                                         <p:tgtEl>
                                           <p:spTgt spid="96"/>
                                         </p:tgtEl>
@@ -10112,20 +10197,20 @@
                           </p:cTn>
                         </p:par>
                         <p:par>
-                          <p:cTn id="84" fill="hold">
+                          <p:cTn id="88" fill="hold">
                             <p:stCondLst>
-                              <p:cond delay="11500"/>
+                              <p:cond delay="12000"/>
                             </p:stCondLst>
                             <p:childTnLst>
                               <p:par>
-                                <p:cTn id="85" presetID="26" presetClass="emph" presetSubtype="0" fill="hold" nodeType="afterEffect">
+                                <p:cTn id="89" presetID="26" presetClass="emph" presetSubtype="0" fill="hold" nodeType="afterEffect">
                                   <p:stCondLst>
                                     <p:cond delay="0"/>
                                   </p:stCondLst>
                                   <p:childTnLst>
                                     <p:animEffect transition="out" filter="fade">
                                       <p:cBhvr>
-                                        <p:cTn id="86" dur="500" tmFilter="0, 0; .2, .5; .8, .5; 1, 0"/>
+                                        <p:cTn id="90" dur="500" tmFilter="0, 0; .2, .5; .8, .5; 1, 0"/>
                                         <p:tgtEl>
                                           <p:spTgt spid="21"/>
                                         </p:tgtEl>
@@ -10133,7 +10218,7 @@
                                     </p:animEffect>
                                     <p:animScale>
                                       <p:cBhvr>
-                                        <p:cTn id="87" dur="250" autoRev="1" fill="hold"/>
+                                        <p:cTn id="91" dur="250" autoRev="1" fill="hold"/>
                                         <p:tgtEl>
                                           <p:spTgt spid="21"/>
                                         </p:tgtEl>
@@ -10147,20 +10232,20 @@
                           </p:cTn>
                         </p:par>
                         <p:par>
-                          <p:cTn id="88" fill="hold">
+                          <p:cTn id="92" fill="hold">
                             <p:stCondLst>
-                              <p:cond delay="12000"/>
+                              <p:cond delay="12500"/>
                             </p:stCondLst>
                             <p:childTnLst>
                               <p:par>
-                                <p:cTn id="89" presetID="10" presetClass="entr" presetSubtype="0" fill="hold" nodeType="afterEffect">
+                                <p:cTn id="93" presetID="10" presetClass="entr" presetSubtype="0" fill="hold" nodeType="afterEffect">
                                   <p:stCondLst>
                                     <p:cond delay="0"/>
                                   </p:stCondLst>
                                   <p:childTnLst>
                                     <p:set>
                                       <p:cBhvr>
-                                        <p:cTn id="90" dur="1" fill="hold">
+                                        <p:cTn id="94" dur="1" fill="hold">
                                           <p:stCondLst>
                                             <p:cond delay="0"/>
                                           </p:stCondLst>
@@ -10178,7 +10263,7 @@
                                     </p:set>
                                     <p:animEffect transition="in" filter="fade">
                                       <p:cBhvr>
-                                        <p:cTn id="91" dur="500"/>
+                                        <p:cTn id="95" dur="500"/>
                                         <p:tgtEl>
                                           <p:spTgt spid="115"/>
                                         </p:tgtEl>
@@ -10191,20 +10276,20 @@
                           </p:cTn>
                         </p:par>
                         <p:par>
-                          <p:cTn id="92" fill="hold">
+                          <p:cTn id="96" fill="hold">
                             <p:stCondLst>
-                              <p:cond delay="12500"/>
+                              <p:cond delay="13000"/>
                             </p:stCondLst>
                             <p:childTnLst>
                               <p:par>
-                                <p:cTn id="93" presetID="26" presetClass="emph" presetSubtype="0" repeatCount="2000" fill="hold" grpId="1" nodeType="afterEffect">
+                                <p:cTn id="97" presetID="26" presetClass="emph" presetSubtype="0" repeatCount="2000" fill="hold" grpId="1" nodeType="afterEffect">
                                   <p:stCondLst>
                                     <p:cond delay="0"/>
                                   </p:stCondLst>
                                   <p:childTnLst>
                                     <p:animEffect transition="out" filter="fade">
                                       <p:cBhvr>
-                                        <p:cTn id="94" dur="500" tmFilter="0, 0; .2, .5; .8, .5; 1, 0"/>
+                                        <p:cTn id="98" dur="500" tmFilter="0, 0; .2, .5; .8, .5; 1, 0"/>
                                         <p:tgtEl>
                                           <p:spTgt spid="8"/>
                                         </p:tgtEl>
@@ -10212,7 +10297,7 @@
                                     </p:animEffect>
                                     <p:animScale>
                                       <p:cBhvr>
-                                        <p:cTn id="95" dur="250" autoRev="1" fill="hold"/>
+                                        <p:cTn id="99" dur="250" autoRev="1" fill="hold"/>
                                         <p:tgtEl>
                                           <p:spTgt spid="8"/>
                                         </p:tgtEl>
@@ -10226,20 +10311,20 @@
                           </p:cTn>
                         </p:par>
                         <p:par>
-                          <p:cTn id="96" fill="hold">
+                          <p:cTn id="100" fill="hold">
                             <p:stCondLst>
-                              <p:cond delay="13500"/>
+                              <p:cond delay="14000"/>
                             </p:stCondLst>
                             <p:childTnLst>
                               <p:par>
-                                <p:cTn id="97" presetID="14" presetClass="entr" presetSubtype="10" fill="hold" nodeType="afterEffect">
+                                <p:cTn id="101" presetID="14" presetClass="entr" presetSubtype="10" fill="hold" nodeType="afterEffect">
                                   <p:stCondLst>
                                     <p:cond delay="0"/>
                                   </p:stCondLst>
                                   <p:childTnLst>
                                     <p:set>
                                       <p:cBhvr>
-                                        <p:cTn id="98" dur="1" fill="hold">
+                                        <p:cTn id="102" dur="1" fill="hold">
                                           <p:stCondLst>
                                             <p:cond delay="0"/>
                                           </p:stCondLst>
@@ -10257,7 +10342,7 @@
                                     </p:set>
                                     <p:animEffect transition="in" filter="randombar(horizontal)">
                                       <p:cBhvr>
-                                        <p:cTn id="99" dur="500"/>
+                                        <p:cTn id="103" dur="500"/>
                                         <p:tgtEl>
                                           <p:spTgt spid="98"/>
                                         </p:tgtEl>
@@ -10270,20 +10355,20 @@
                           </p:cTn>
                         </p:par>
                         <p:par>
-                          <p:cTn id="100" fill="hold">
+                          <p:cTn id="104" fill="hold">
                             <p:stCondLst>
-                              <p:cond delay="14000"/>
+                              <p:cond delay="14500"/>
                             </p:stCondLst>
                             <p:childTnLst>
                               <p:par>
-                                <p:cTn id="101" presetID="26" presetClass="emph" presetSubtype="0" fill="hold" nodeType="afterEffect">
+                                <p:cTn id="105" presetID="26" presetClass="emph" presetSubtype="0" fill="hold" nodeType="afterEffect">
                                   <p:stCondLst>
                                     <p:cond delay="0"/>
                                   </p:stCondLst>
                                   <p:childTnLst>
                                     <p:animEffect transition="out" filter="fade">
                                       <p:cBhvr>
-                                        <p:cTn id="102" dur="500" tmFilter="0, 0; .2, .5; .8, .5; 1, 0"/>
+                                        <p:cTn id="106" dur="500" tmFilter="0, 0; .2, .5; .8, .5; 1, 0"/>
                                         <p:tgtEl>
                                           <p:spTgt spid="27"/>
                                         </p:tgtEl>
@@ -10291,7 +10376,7 @@
                                     </p:animEffect>
                                     <p:animScale>
                                       <p:cBhvr>
-                                        <p:cTn id="103" dur="250" autoRev="1" fill="hold"/>
+                                        <p:cTn id="107" dur="250" autoRev="1" fill="hold"/>
                                         <p:tgtEl>
                                           <p:spTgt spid="27"/>
                                         </p:tgtEl>
@@ -10305,20 +10390,20 @@
                           </p:cTn>
                         </p:par>
                         <p:par>
-                          <p:cTn id="104" fill="hold">
+                          <p:cTn id="108" fill="hold">
                             <p:stCondLst>
-                              <p:cond delay="14500"/>
+                              <p:cond delay="15000"/>
                             </p:stCondLst>
                             <p:childTnLst>
                               <p:par>
-                                <p:cTn id="105" presetID="10" presetClass="entr" presetSubtype="0" fill="hold" nodeType="afterEffect">
+                                <p:cTn id="109" presetID="10" presetClass="entr" presetSubtype="0" fill="hold" nodeType="afterEffect">
                                   <p:stCondLst>
                                     <p:cond delay="0"/>
                                   </p:stCondLst>
                                   <p:childTnLst>
                                     <p:set>
                                       <p:cBhvr>
-                                        <p:cTn id="106" dur="1" fill="hold">
+                                        <p:cTn id="110" dur="1" fill="hold">
                                           <p:stCondLst>
                                             <p:cond delay="0"/>
                                           </p:stCondLst>
@@ -10336,7 +10421,7 @@
                                     </p:set>
                                     <p:animEffect transition="in" filter="fade">
                                       <p:cBhvr>
-                                        <p:cTn id="107" dur="500"/>
+                                        <p:cTn id="111" dur="500"/>
                                         <p:tgtEl>
                                           <p:spTgt spid="122"/>
                                         </p:tgtEl>
@@ -10349,20 +10434,20 @@
                           </p:cTn>
                         </p:par>
                         <p:par>
-                          <p:cTn id="108" fill="hold">
+                          <p:cTn id="112" fill="hold">
                             <p:stCondLst>
-                              <p:cond delay="15000"/>
+                              <p:cond delay="15500"/>
                             </p:stCondLst>
                             <p:childTnLst>
                               <p:par>
-                                <p:cTn id="109" presetID="26" presetClass="emph" presetSubtype="0" repeatCount="2000" fill="hold" grpId="1" nodeType="afterEffect">
+                                <p:cTn id="113" presetID="26" presetClass="emph" presetSubtype="0" repeatCount="2000" fill="hold" grpId="1" nodeType="afterEffect">
                                   <p:stCondLst>
                                     <p:cond delay="0"/>
                                   </p:stCondLst>
                                   <p:childTnLst>
                                     <p:animEffect transition="out" filter="fade">
                                       <p:cBhvr>
-                                        <p:cTn id="110" dur="500" tmFilter="0, 0; .2, .5; .8, .5; 1, 0"/>
+                                        <p:cTn id="114" dur="500" tmFilter="0, 0; .2, .5; .8, .5; 1, 0"/>
                                         <p:tgtEl>
                                           <p:spTgt spid="9"/>
                                         </p:tgtEl>
@@ -10370,7 +10455,7 @@
                                     </p:animEffect>
                                     <p:animScale>
                                       <p:cBhvr>
-                                        <p:cTn id="111" dur="250" autoRev="1" fill="hold"/>
+                                        <p:cTn id="115" dur="250" autoRev="1" fill="hold"/>
                                         <p:tgtEl>
                                           <p:spTgt spid="9"/>
                                         </p:tgtEl>
@@ -10384,20 +10469,20 @@
                           </p:cTn>
                         </p:par>
                         <p:par>
-                          <p:cTn id="112" fill="hold">
+                          <p:cTn id="116" fill="hold">
                             <p:stCondLst>
-                              <p:cond delay="16000"/>
+                              <p:cond delay="16500"/>
                             </p:stCondLst>
                             <p:childTnLst>
                               <p:par>
-                                <p:cTn id="113" presetID="14" presetClass="entr" presetSubtype="10" fill="hold" nodeType="afterEffect">
+                                <p:cTn id="117" presetID="14" presetClass="entr" presetSubtype="10" fill="hold" nodeType="afterEffect">
                                   <p:stCondLst>
                                     <p:cond delay="0"/>
                                   </p:stCondLst>
                                   <p:childTnLst>
                                     <p:set>
                                       <p:cBhvr>
-                                        <p:cTn id="114" dur="1" fill="hold">
+                                        <p:cTn id="118" dur="1" fill="hold">
                                           <p:stCondLst>
                                             <p:cond delay="0"/>
                                           </p:stCondLst>
@@ -10415,7 +10500,7 @@
                                     </p:set>
                                     <p:animEffect transition="in" filter="randombar(horizontal)">
                                       <p:cBhvr>
-                                        <p:cTn id="115" dur="500"/>
+                                        <p:cTn id="119" dur="500"/>
                                         <p:tgtEl>
                                           <p:spTgt spid="100"/>
                                         </p:tgtEl>
@@ -10428,20 +10513,20 @@
                           </p:cTn>
                         </p:par>
                         <p:par>
-                          <p:cTn id="116" fill="hold">
+                          <p:cTn id="120" fill="hold">
                             <p:stCondLst>
-                              <p:cond delay="16500"/>
+                              <p:cond delay="17000"/>
                             </p:stCondLst>
                             <p:childTnLst>
                               <p:par>
-                                <p:cTn id="117" presetID="26" presetClass="emph" presetSubtype="0" fill="hold" nodeType="afterEffect">
+                                <p:cTn id="121" presetID="26" presetClass="emph" presetSubtype="0" fill="hold" nodeType="afterEffect">
                                   <p:stCondLst>
                                     <p:cond delay="0"/>
                                   </p:stCondLst>
                                   <p:childTnLst>
                                     <p:animEffect transition="out" filter="fade">
                                       <p:cBhvr>
-                                        <p:cTn id="118" dur="500" tmFilter="0, 0; .2, .5; .8, .5; 1, 0"/>
+                                        <p:cTn id="122" dur="500" tmFilter="0, 0; .2, .5; .8, .5; 1, 0"/>
                                         <p:tgtEl>
                                           <p:spTgt spid="63"/>
                                         </p:tgtEl>
@@ -10449,7 +10534,7 @@
                                     </p:animEffect>
                                     <p:animScale>
                                       <p:cBhvr>
-                                        <p:cTn id="119" dur="250" autoRev="1" fill="hold"/>
+                                        <p:cTn id="123" dur="250" autoRev="1" fill="hold"/>
                                         <p:tgtEl>
                                           <p:spTgt spid="63"/>
                                         </p:tgtEl>
@@ -10463,20 +10548,20 @@
                           </p:cTn>
                         </p:par>
                         <p:par>
-                          <p:cTn id="120" fill="hold">
+                          <p:cTn id="124" fill="hold">
                             <p:stCondLst>
-                              <p:cond delay="17000"/>
+                              <p:cond delay="17500"/>
                             </p:stCondLst>
                             <p:childTnLst>
                               <p:par>
-                                <p:cTn id="121" presetID="10" presetClass="entr" presetSubtype="0" fill="hold" nodeType="afterEffect">
+                                <p:cTn id="125" presetID="10" presetClass="entr" presetSubtype="0" fill="hold" nodeType="afterEffect">
                                   <p:stCondLst>
                                     <p:cond delay="0"/>
                                   </p:stCondLst>
                                   <p:childTnLst>
                                     <p:set>
                                       <p:cBhvr>
-                                        <p:cTn id="122" dur="1" fill="hold">
+                                        <p:cTn id="126" dur="1" fill="hold">
                                           <p:stCondLst>
                                             <p:cond delay="0"/>
                                           </p:stCondLst>
@@ -10494,7 +10579,7 @@
                                     </p:set>
                                     <p:animEffect transition="in" filter="fade">
                                       <p:cBhvr>
-                                        <p:cTn id="123" dur="500"/>
+                                        <p:cTn id="127" dur="500"/>
                                         <p:tgtEl>
                                           <p:spTgt spid="129"/>
                                         </p:tgtEl>
@@ -10507,20 +10592,20 @@
                           </p:cTn>
                         </p:par>
                         <p:par>
-                          <p:cTn id="124" fill="hold">
+                          <p:cTn id="128" fill="hold">
                             <p:stCondLst>
-                              <p:cond delay="17500"/>
+                              <p:cond delay="18000"/>
                             </p:stCondLst>
                             <p:childTnLst>
                               <p:par>
-                                <p:cTn id="125" presetID="26" presetClass="emph" presetSubtype="0" repeatCount="2000" fill="hold" grpId="1" nodeType="afterEffect">
+                                <p:cTn id="129" presetID="26" presetClass="emph" presetSubtype="0" repeatCount="2000" fill="hold" grpId="1" nodeType="afterEffect">
                                   <p:stCondLst>
                                     <p:cond delay="0"/>
                                   </p:stCondLst>
                                   <p:childTnLst>
                                     <p:animEffect transition="out" filter="fade">
                                       <p:cBhvr>
-                                        <p:cTn id="126" dur="500" tmFilter="0, 0; .2, .5; .8, .5; 1, 0"/>
+                                        <p:cTn id="130" dur="500" tmFilter="0, 0; .2, .5; .8, .5; 1, 0"/>
                                         <p:tgtEl>
                                           <p:spTgt spid="10"/>
                                         </p:tgtEl>
@@ -10528,7 +10613,7 @@
                                     </p:animEffect>
                                     <p:animScale>
                                       <p:cBhvr>
-                                        <p:cTn id="127" dur="250" autoRev="1" fill="hold"/>
+                                        <p:cTn id="131" dur="250" autoRev="1" fill="hold"/>
                                         <p:tgtEl>
                                           <p:spTgt spid="10"/>
                                         </p:tgtEl>
@@ -10542,20 +10627,20 @@
                           </p:cTn>
                         </p:par>
                         <p:par>
-                          <p:cTn id="128" fill="hold">
+                          <p:cTn id="132" fill="hold">
                             <p:stCondLst>
-                              <p:cond delay="18500"/>
+                              <p:cond delay="19000"/>
                             </p:stCondLst>
                             <p:childTnLst>
                               <p:par>
-                                <p:cTn id="129" presetID="14" presetClass="entr" presetSubtype="10" fill="hold" nodeType="afterEffect">
+                                <p:cTn id="133" presetID="14" presetClass="entr" presetSubtype="10" fill="hold" nodeType="afterEffect">
                                   <p:stCondLst>
                                     <p:cond delay="0"/>
                                   </p:stCondLst>
                                   <p:childTnLst>
                                     <p:set>
                                       <p:cBhvr>
-                                        <p:cTn id="130" dur="1" fill="hold">
+                                        <p:cTn id="134" dur="1" fill="hold">
                                           <p:stCondLst>
                                             <p:cond delay="0"/>
                                           </p:stCondLst>
@@ -10573,7 +10658,7 @@
                                     </p:set>
                                     <p:animEffect transition="in" filter="randombar(horizontal)">
                                       <p:cBhvr>
-                                        <p:cTn id="131" dur="500"/>
+                                        <p:cTn id="135" dur="500"/>
                                         <p:tgtEl>
                                           <p:spTgt spid="102"/>
                                         </p:tgtEl>
@@ -10586,20 +10671,20 @@
                           </p:cTn>
                         </p:par>
                         <p:par>
-                          <p:cTn id="132" fill="hold">
+                          <p:cTn id="136" fill="hold">
                             <p:stCondLst>
-                              <p:cond delay="19000"/>
+                              <p:cond delay="19500"/>
                             </p:stCondLst>
                             <p:childTnLst>
                               <p:par>
-                                <p:cTn id="133" presetID="26" presetClass="emph" presetSubtype="0" fill="hold" nodeType="afterEffect">
+                                <p:cTn id="137" presetID="26" presetClass="emph" presetSubtype="0" fill="hold" nodeType="afterEffect">
                                   <p:stCondLst>
                                     <p:cond delay="0"/>
                                   </p:stCondLst>
                                   <p:childTnLst>
                                     <p:animEffect transition="out" filter="fade">
                                       <p:cBhvr>
-                                        <p:cTn id="134" dur="500" tmFilter="0, 0; .2, .5; .8, .5; 1, 0"/>
+                                        <p:cTn id="138" dur="500" tmFilter="0, 0; .2, .5; .8, .5; 1, 0"/>
                                         <p:tgtEl>
                                           <p:spTgt spid="47"/>
                                         </p:tgtEl>
@@ -10607,7 +10692,7 @@
                                     </p:animEffect>
                                     <p:animScale>
                                       <p:cBhvr>
-                                        <p:cTn id="135" dur="250" autoRev="1" fill="hold"/>
+                                        <p:cTn id="139" dur="250" autoRev="1" fill="hold"/>
                                         <p:tgtEl>
                                           <p:spTgt spid="47"/>
                                         </p:tgtEl>
@@ -10621,20 +10706,20 @@
                           </p:cTn>
                         </p:par>
                         <p:par>
-                          <p:cTn id="136" fill="hold">
+                          <p:cTn id="140" fill="hold">
                             <p:stCondLst>
-                              <p:cond delay="19500"/>
+                              <p:cond delay="20000"/>
                             </p:stCondLst>
                             <p:childTnLst>
                               <p:par>
-                                <p:cTn id="137" presetID="10" presetClass="entr" presetSubtype="0" fill="hold" nodeType="afterEffect">
+                                <p:cTn id="141" presetID="10" presetClass="entr" presetSubtype="0" fill="hold" nodeType="afterEffect">
                                   <p:stCondLst>
                                     <p:cond delay="0"/>
                                   </p:stCondLst>
                                   <p:childTnLst>
                                     <p:set>
                                       <p:cBhvr>
-                                        <p:cTn id="138" dur="1" fill="hold">
+                                        <p:cTn id="142" dur="1" fill="hold">
                                           <p:stCondLst>
                                             <p:cond delay="0"/>
                                           </p:stCondLst>
@@ -10652,7 +10737,7 @@
                                     </p:set>
                                     <p:animEffect transition="in" filter="fade">
                                       <p:cBhvr>
-                                        <p:cTn id="139" dur="500"/>
+                                        <p:cTn id="143" dur="500"/>
                                         <p:tgtEl>
                                           <p:spTgt spid="136"/>
                                         </p:tgtEl>
@@ -10665,20 +10750,20 @@
                           </p:cTn>
                         </p:par>
                         <p:par>
-                          <p:cTn id="140" fill="hold">
+                          <p:cTn id="144" fill="hold">
                             <p:stCondLst>
-                              <p:cond delay="20000"/>
+                              <p:cond delay="20500"/>
                             </p:stCondLst>
                             <p:childTnLst>
                               <p:par>
-                                <p:cTn id="141" presetID="26" presetClass="emph" presetSubtype="0" repeatCount="2000" fill="hold" grpId="1" nodeType="afterEffect">
+                                <p:cTn id="145" presetID="26" presetClass="emph" presetSubtype="0" repeatCount="2000" fill="hold" grpId="1" nodeType="afterEffect">
                                   <p:stCondLst>
                                     <p:cond delay="0"/>
                                   </p:stCondLst>
                                   <p:childTnLst>
                                     <p:animEffect transition="out" filter="fade">
                                       <p:cBhvr>
-                                        <p:cTn id="142" dur="500" tmFilter="0, 0; .2, .5; .8, .5; 1, 0"/>
+                                        <p:cTn id="146" dur="500" tmFilter="0, 0; .2, .5; .8, .5; 1, 0"/>
                                         <p:tgtEl>
                                           <p:spTgt spid="11"/>
                                         </p:tgtEl>
@@ -10686,7 +10771,7 @@
                                     </p:animEffect>
                                     <p:animScale>
                                       <p:cBhvr>
-                                        <p:cTn id="143" dur="250" autoRev="1" fill="hold"/>
+                                        <p:cTn id="147" dur="250" autoRev="1" fill="hold"/>
                                         <p:tgtEl>
                                           <p:spTgt spid="11"/>
                                         </p:tgtEl>
@@ -10700,20 +10785,20 @@
                           </p:cTn>
                         </p:par>
                         <p:par>
-                          <p:cTn id="144" fill="hold">
+                          <p:cTn id="148" fill="hold">
                             <p:stCondLst>
-                              <p:cond delay="21000"/>
+                              <p:cond delay="21500"/>
                             </p:stCondLst>
                             <p:childTnLst>
                               <p:par>
-                                <p:cTn id="145" presetID="14" presetClass="entr" presetSubtype="10" fill="hold" nodeType="afterEffect">
+                                <p:cTn id="149" presetID="14" presetClass="entr" presetSubtype="10" fill="hold" nodeType="afterEffect">
                                   <p:stCondLst>
                                     <p:cond delay="0"/>
                                   </p:stCondLst>
                                   <p:childTnLst>
                                     <p:set>
                                       <p:cBhvr>
-                                        <p:cTn id="146" dur="1" fill="hold">
+                                        <p:cTn id="150" dur="1" fill="hold">
                                           <p:stCondLst>
                                             <p:cond delay="0"/>
                                           </p:stCondLst>
@@ -10731,7 +10816,7 @@
                                     </p:set>
                                     <p:animEffect transition="in" filter="randombar(horizontal)">
                                       <p:cBhvr>
-                                        <p:cTn id="147" dur="500"/>
+                                        <p:cTn id="151" dur="500"/>
                                         <p:tgtEl>
                                           <p:spTgt spid="104"/>
                                         </p:tgtEl>
@@ -10744,20 +10829,20 @@
                           </p:cTn>
                         </p:par>
                         <p:par>
-                          <p:cTn id="148" fill="hold">
+                          <p:cTn id="152" fill="hold">
                             <p:stCondLst>
-                              <p:cond delay="21500"/>
+                              <p:cond delay="22000"/>
                             </p:stCondLst>
                             <p:childTnLst>
                               <p:par>
-                                <p:cTn id="149" presetID="26" presetClass="emph" presetSubtype="0" fill="hold" nodeType="afterEffect">
+                                <p:cTn id="153" presetID="26" presetClass="emph" presetSubtype="0" fill="hold" nodeType="afterEffect">
                                   <p:stCondLst>
                                     <p:cond delay="0"/>
                                   </p:stCondLst>
                                   <p:childTnLst>
                                     <p:animEffect transition="out" filter="fade">
                                       <p:cBhvr>
-                                        <p:cTn id="150" dur="500" tmFilter="0, 0; .2, .5; .8, .5; 1, 0"/>
+                                        <p:cTn id="154" dur="500" tmFilter="0, 0; .2, .5; .8, .5; 1, 0"/>
                                         <p:tgtEl>
                                           <p:spTgt spid="52"/>
                                         </p:tgtEl>
@@ -10765,7 +10850,7 @@
                                     </p:animEffect>
                                     <p:animScale>
                                       <p:cBhvr>
-                                        <p:cTn id="151" dur="250" autoRev="1" fill="hold"/>
+                                        <p:cTn id="155" dur="250" autoRev="1" fill="hold"/>
                                         <p:tgtEl>
                                           <p:spTgt spid="52"/>
                                         </p:tgtEl>
@@ -10779,20 +10864,20 @@
                           </p:cTn>
                         </p:par>
                         <p:par>
-                          <p:cTn id="152" fill="hold">
+                          <p:cTn id="156" fill="hold">
                             <p:stCondLst>
-                              <p:cond delay="22000"/>
+                              <p:cond delay="22500"/>
                             </p:stCondLst>
                             <p:childTnLst>
                               <p:par>
-                                <p:cTn id="153" presetID="10" presetClass="entr" presetSubtype="0" fill="hold" nodeType="afterEffect">
+                                <p:cTn id="157" presetID="10" presetClass="entr" presetSubtype="0" fill="hold" nodeType="afterEffect">
                                   <p:stCondLst>
                                     <p:cond delay="0"/>
                                   </p:stCondLst>
                                   <p:childTnLst>
                                     <p:set>
                                       <p:cBhvr>
-                                        <p:cTn id="154" dur="1" fill="hold">
+                                        <p:cTn id="158" dur="1" fill="hold">
                                           <p:stCondLst>
                                             <p:cond delay="0"/>
                                           </p:stCondLst>
@@ -10810,7 +10895,7 @@
                                     </p:set>
                                     <p:animEffect transition="in" filter="fade">
                                       <p:cBhvr>
-                                        <p:cTn id="155" dur="500"/>
+                                        <p:cTn id="159" dur="500"/>
                                         <p:tgtEl>
                                           <p:spTgt spid="143"/>
                                         </p:tgtEl>
@@ -10823,20 +10908,20 @@
                           </p:cTn>
                         </p:par>
                         <p:par>
-                          <p:cTn id="156" fill="hold">
+                          <p:cTn id="160" fill="hold">
                             <p:stCondLst>
-                              <p:cond delay="22500"/>
+                              <p:cond delay="23000"/>
                             </p:stCondLst>
                             <p:childTnLst>
                               <p:par>
-                                <p:cTn id="157" presetID="26" presetClass="emph" presetSubtype="0" repeatCount="2000" fill="hold" grpId="1" nodeType="afterEffect">
+                                <p:cTn id="161" presetID="26" presetClass="emph" presetSubtype="0" repeatCount="2000" fill="hold" grpId="1" nodeType="afterEffect">
                                   <p:stCondLst>
                                     <p:cond delay="0"/>
                                   </p:stCondLst>
                                   <p:childTnLst>
                                     <p:animEffect transition="out" filter="fade">
                                       <p:cBhvr>
-                                        <p:cTn id="158" dur="500" tmFilter="0, 0; .2, .5; .8, .5; 1, 0"/>
+                                        <p:cTn id="162" dur="500" tmFilter="0, 0; .2, .5; .8, .5; 1, 0"/>
                                         <p:tgtEl>
                                           <p:spTgt spid="12"/>
                                         </p:tgtEl>
@@ -10844,7 +10929,7 @@
                                     </p:animEffect>
                                     <p:animScale>
                                       <p:cBhvr>
-                                        <p:cTn id="159" dur="250" autoRev="1" fill="hold"/>
+                                        <p:cTn id="163" dur="250" autoRev="1" fill="hold"/>
                                         <p:tgtEl>
                                           <p:spTgt spid="12"/>
                                         </p:tgtEl>
@@ -10858,20 +10943,20 @@
                           </p:cTn>
                         </p:par>
                         <p:par>
-                          <p:cTn id="160" fill="hold">
+                          <p:cTn id="164" fill="hold">
                             <p:stCondLst>
-                              <p:cond delay="23500"/>
+                              <p:cond delay="24000"/>
                             </p:stCondLst>
                             <p:childTnLst>
                               <p:par>
-                                <p:cTn id="161" presetID="14" presetClass="entr" presetSubtype="10" fill="hold" nodeType="afterEffect">
+                                <p:cTn id="165" presetID="14" presetClass="entr" presetSubtype="10" fill="hold" nodeType="afterEffect">
                                   <p:stCondLst>
                                     <p:cond delay="0"/>
                                   </p:stCondLst>
                                   <p:childTnLst>
                                     <p:set>
                                       <p:cBhvr>
-                                        <p:cTn id="162" dur="1" fill="hold">
+                                        <p:cTn id="166" dur="1" fill="hold">
                                           <p:stCondLst>
                                             <p:cond delay="0"/>
                                           </p:stCondLst>
@@ -10889,7 +10974,7 @@
                                     </p:set>
                                     <p:animEffect transition="in" filter="randombar(horizontal)">
                                       <p:cBhvr>
-                                        <p:cTn id="163" dur="500"/>
+                                        <p:cTn id="167" dur="500"/>
                                         <p:tgtEl>
                                           <p:spTgt spid="106"/>
                                         </p:tgtEl>
@@ -10902,20 +10987,20 @@
                           </p:cTn>
                         </p:par>
                         <p:par>
-                          <p:cTn id="164" fill="hold">
+                          <p:cTn id="168" fill="hold">
                             <p:stCondLst>
-                              <p:cond delay="24000"/>
+                              <p:cond delay="24500"/>
                             </p:stCondLst>
                             <p:childTnLst>
                               <p:par>
-                                <p:cTn id="165" presetID="26" presetClass="emph" presetSubtype="0" fill="hold" nodeType="afterEffect">
+                                <p:cTn id="169" presetID="26" presetClass="emph" presetSubtype="0" fill="hold" nodeType="afterEffect">
                                   <p:stCondLst>
                                     <p:cond delay="0"/>
                                   </p:stCondLst>
                                   <p:childTnLst>
                                     <p:animEffect transition="out" filter="fade">
                                       <p:cBhvr>
-                                        <p:cTn id="166" dur="500" tmFilter="0, 0; .2, .5; .8, .5; 1, 0"/>
+                                        <p:cTn id="170" dur="500" tmFilter="0, 0; .2, .5; .8, .5; 1, 0"/>
                                         <p:tgtEl>
                                           <p:spTgt spid="68"/>
                                         </p:tgtEl>
@@ -10923,7 +11008,7 @@
                                     </p:animEffect>
                                     <p:animScale>
                                       <p:cBhvr>
-                                        <p:cTn id="167" dur="250" autoRev="1" fill="hold"/>
+                                        <p:cTn id="171" dur="250" autoRev="1" fill="hold"/>
                                         <p:tgtEl>
                                           <p:spTgt spid="68"/>
                                         </p:tgtEl>
@@ -10937,20 +11022,20 @@
                           </p:cTn>
                         </p:par>
                         <p:par>
-                          <p:cTn id="168" fill="hold">
+                          <p:cTn id="172" fill="hold">
                             <p:stCondLst>
-                              <p:cond delay="24500"/>
+                              <p:cond delay="25000"/>
                             </p:stCondLst>
                             <p:childTnLst>
                               <p:par>
-                                <p:cTn id="169" presetID="10" presetClass="entr" presetSubtype="0" fill="hold" nodeType="afterEffect">
+                                <p:cTn id="173" presetID="10" presetClass="entr" presetSubtype="0" fill="hold" nodeType="afterEffect">
                                   <p:stCondLst>
                                     <p:cond delay="0"/>
                                   </p:stCondLst>
                                   <p:childTnLst>
                                     <p:set>
                                       <p:cBhvr>
-                                        <p:cTn id="170" dur="1" fill="hold">
+                                        <p:cTn id="174" dur="1" fill="hold">
                                           <p:stCondLst>
                                             <p:cond delay="0"/>
                                           </p:stCondLst>
@@ -10968,7 +11053,7 @@
                                     </p:set>
                                     <p:animEffect transition="in" filter="fade">
                                       <p:cBhvr>
-                                        <p:cTn id="171" dur="500"/>
+                                        <p:cTn id="175" dur="500"/>
                                         <p:tgtEl>
                                           <p:spTgt spid="150"/>
                                         </p:tgtEl>
@@ -10981,13 +11066,13 @@
                           </p:cTn>
                         </p:par>
                         <p:par>
-                          <p:cTn id="172" fill="hold">
+                          <p:cTn id="176" fill="hold">
                             <p:stCondLst>
-                              <p:cond delay="25000"/>
+                              <p:cond delay="25500"/>
                             </p:stCondLst>
                             <p:childTnLst>
                               <p:par>
-                                <p:cTn id="173" presetID="10" presetClass="entr" presetSubtype="0" fill="hold" grpId="1" nodeType="afterEffect">
+                                <p:cTn id="177" presetID="10" presetClass="entr" presetSubtype="0" fill="hold" grpId="1" nodeType="afterEffect">
                                   <p:stCondLst>
                                     <p:cond delay="0"/>
                                   </p:stCondLst>
@@ -10997,7 +11082,7 @@
                                   <p:childTnLst>
                                     <p:set>
                                       <p:cBhvr>
-                                        <p:cTn id="174" dur="1" fill="hold">
+                                        <p:cTn id="178" dur="1" fill="hold">
                                           <p:stCondLst>
                                             <p:cond delay="0"/>
                                           </p:stCondLst>
@@ -11015,7 +11100,7 @@
                                     </p:set>
                                     <p:animEffect transition="in" filter="fade">
                                       <p:cBhvr>
-                                        <p:cTn id="175" dur="500"/>
+                                        <p:cTn id="179" dur="500"/>
                                         <p:tgtEl>
                                           <p:spTgt spid="166"/>
                                         </p:tgtEl>
@@ -11071,6 +11156,7 @@
       <p:bldP spid="15" grpId="0" animBg="1"/>
       <p:bldP spid="16" grpId="0" animBg="1"/>
       <p:bldP spid="166" grpId="1" animBg="1"/>
+      <p:bldP spid="157" grpId="0" animBg="1"/>
     </p:bldLst>
   </p:timing>
 </p:sld>
